--- a/episode3/media/slides-episode-03.pptx
+++ b/episode3/media/slides-episode-03.pptx
@@ -588,7 +588,7 @@
           </c:val>
           <c:extLst>
             <c:ext xmlns:c16="http://schemas.microsoft.com/office/drawing/2014/chart" uri="{C3380CC4-5D6E-409C-BE32-E72D297353CC}">
-              <c16:uniqueId val="{00000000-F317-42B4-BC6A-79E3A8E6E705}"/>
+              <c16:uniqueId val="{00000000-41A7-482B-BB16-2CC9578E6CBB}"/>
             </c:ext>
           </c:extLst>
         </c:ser>
@@ -684,17 +684,17 @@
                 <c:formatCode>General</c:formatCode>
                 <c:ptCount val="2"/>
                 <c:pt idx="0">
-                  <c:v>33</c:v>
+                  <c:v>24</c:v>
                 </c:pt>
                 <c:pt idx="1">
-                  <c:v>40</c:v>
+                  <c:v>43</c:v>
                 </c:pt>
               </c:numCache>
             </c:numRef>
           </c:val>
           <c:extLst>
             <c:ext xmlns:c16="http://schemas.microsoft.com/office/drawing/2014/chart" uri="{C3380CC4-5D6E-409C-BE32-E72D297353CC}">
-              <c16:uniqueId val="{00000001-F317-42B4-BC6A-79E3A8E6E705}"/>
+              <c16:uniqueId val="{00000001-41A7-482B-BB16-2CC9578E6CBB}"/>
             </c:ext>
           </c:extLst>
         </c:ser>
@@ -800,7 +800,7 @@
           </c:val>
           <c:extLst>
             <c:ext xmlns:c16="http://schemas.microsoft.com/office/drawing/2014/chart" uri="{C3380CC4-5D6E-409C-BE32-E72D297353CC}">
-              <c16:uniqueId val="{00000002-F317-42B4-BC6A-79E3A8E6E705}"/>
+              <c16:uniqueId val="{00000002-41A7-482B-BB16-2CC9578E6CBB}"/>
             </c:ext>
           </c:extLst>
         </c:ser>
@@ -906,7 +906,7 @@
           </c:val>
           <c:extLst>
             <c:ext xmlns:c16="http://schemas.microsoft.com/office/drawing/2014/chart" uri="{C3380CC4-5D6E-409C-BE32-E72D297353CC}">
-              <c16:uniqueId val="{00000003-F317-42B4-BC6A-79E3A8E6E705}"/>
+              <c16:uniqueId val="{00000003-41A7-482B-BB16-2CC9578E6CBB}"/>
             </c:ext>
           </c:extLst>
         </c:ser>
@@ -1012,7 +1012,7 @@
           </c:val>
           <c:extLst>
             <c:ext xmlns:c16="http://schemas.microsoft.com/office/drawing/2014/chart" uri="{C3380CC4-5D6E-409C-BE32-E72D297353CC}">
-              <c16:uniqueId val="{00000004-F317-42B4-BC6A-79E3A8E6E705}"/>
+              <c16:uniqueId val="{00000004-41A7-482B-BB16-2CC9578E6CBB}"/>
             </c:ext>
           </c:extLst>
         </c:ser>
@@ -1364,7 +1364,7 @@
           <c:smooth val="0"/>
           <c:extLst>
             <c:ext xmlns:c16="http://schemas.microsoft.com/office/drawing/2014/chart" uri="{C3380CC4-5D6E-409C-BE32-E72D297353CC}">
-              <c16:uniqueId val="{00000000-7A54-43CF-9021-E15D62F70808}"/>
+              <c16:uniqueId val="{00000000-5849-4CEF-A7E6-3B6E56F36A7F}"/>
             </c:ext>
           </c:extLst>
         </c:ser>
@@ -1419,7 +1419,7 @@
               <a:lstStyle/>
               <a:p>
                 <a:pPr>
-                  <a:defRPr sz="1400" b="1" i="0" u="none" strike="noStrike" kern="1200" baseline="0">
+                  <a:defRPr sz="900" b="1" i="0" u="none" strike="noStrike" kern="1200" baseline="0">
                     <a:solidFill>
                       <a:schemeClr val="lt1"/>
                     </a:solidFill>
@@ -1479,10 +1479,10 @@
                 <c:formatCode>General</c:formatCode>
                 <c:ptCount val="2"/>
                 <c:pt idx="0">
-                  <c:v>33</c:v>
+                  <c:v>24</c:v>
                 </c:pt>
                 <c:pt idx="1">
-                  <c:v>40</c:v>
+                  <c:v>43</c:v>
                 </c:pt>
               </c:numCache>
             </c:numRef>
@@ -1490,7 +1490,7 @@
           <c:smooth val="0"/>
           <c:extLst>
             <c:ext xmlns:c16="http://schemas.microsoft.com/office/drawing/2014/chart" uri="{C3380CC4-5D6E-409C-BE32-E72D297353CC}">
-              <c16:uniqueId val="{00000001-7A54-43CF-9021-E15D62F70808}"/>
+              <c16:uniqueId val="{00000001-5849-4CEF-A7E6-3B6E56F36A7F}"/>
             </c:ext>
           </c:extLst>
         </c:ser>
@@ -1716,7 +1716,64 @@
     </mc:Fallback>
   </mc:AlternateContent>
   <c:chart>
-    <c:autoTitleDeleted val="1"/>
+    <c:title>
+      <c:tx>
+        <c:rich>
+          <a:bodyPr rot="0" spcFirstLastPara="1" vertOverflow="ellipsis" vert="horz" wrap="square" anchor="ctr" anchorCtr="1"/>
+          <a:lstStyle/>
+          <a:p>
+            <a:pPr>
+              <a:defRPr b="0" i="0" u="none" strike="noStrike" kern="1200" baseline="0">
+                <a:solidFill>
+                  <a:schemeClr val="dk1">
+                    <a:lumMod val="65000"/>
+                    <a:lumOff val="35000"/>
+                  </a:schemeClr>
+                </a:solidFill>
+                <a:effectLst/>
+                <a:latin typeface="+mn-lt"/>
+                <a:ea typeface="+mn-ea"/>
+                <a:cs typeface="+mn-cs"/>
+              </a:defRPr>
+            </a:pPr>
+            <a:r>
+              <a:rPr lang="en-US"/>
+              <a:t>Total Views</a:t>
+            </a:r>
+          </a:p>
+        </c:rich>
+      </c:tx>
+      <c:overlay val="0"/>
+      <c:spPr>
+        <a:noFill/>
+        <a:ln>
+          <a:noFill/>
+        </a:ln>
+        <a:effectLst/>
+      </c:spPr>
+      <c:txPr>
+        <a:bodyPr rot="0" spcFirstLastPara="1" vertOverflow="ellipsis" vert="horz" wrap="square" anchor="ctr" anchorCtr="1"/>
+        <a:lstStyle/>
+        <a:p>
+          <a:pPr>
+            <a:defRPr b="0" i="0" u="none" strike="noStrike" kern="1200" baseline="0">
+              <a:solidFill>
+                <a:schemeClr val="dk1">
+                  <a:lumMod val="65000"/>
+                  <a:lumOff val="35000"/>
+                </a:schemeClr>
+              </a:solidFill>
+              <a:effectLst/>
+              <a:latin typeface="+mn-lt"/>
+              <a:ea typeface="+mn-ea"/>
+              <a:cs typeface="+mn-cs"/>
+            </a:defRPr>
+          </a:pPr>
+          <a:endParaRPr lang="LID4096"/>
+        </a:p>
+      </c:txPr>
+    </c:title>
+    <c:autoTitleDeleted val="0"/>
     <c:plotArea>
       <c:layout/>
       <c:barChart>
@@ -1816,14 +1873,14 @@
                   <c:v>33</c:v>
                 </c:pt>
                 <c:pt idx="1">
-                  <c:v>40</c:v>
+                  <c:v>87</c:v>
                 </c:pt>
               </c:numCache>
             </c:numRef>
           </c:val>
           <c:extLst>
             <c:ext xmlns:c16="http://schemas.microsoft.com/office/drawing/2014/chart" uri="{C3380CC4-5D6E-409C-BE32-E72D297353CC}">
-              <c16:uniqueId val="{00000000-84A2-4816-99B4-37678359AB65}"/>
+              <c16:uniqueId val="{00000000-3E38-4CC1-86BD-0B67122AE6C3}"/>
             </c:ext>
           </c:extLst>
         </c:ser>
@@ -4427,7 +4484,7 @@
           <a:p>
             <a:fld id="{762B48F5-BACC-47D6-A0F7-82FBF9C6BC85}" type="datetimeFigureOut">
               <a:rPr lang="en-US"/>
-              <a:t>2/4/2021</a:t>
+              <a:t>2/5/2021</a:t>
             </a:fld>
             <a:endParaRPr/>
           </a:p>
@@ -4592,7 +4649,7 @@
           <a:p>
             <a:fld id="{0CB1CD00-5424-4675-AB18-2C419B060449}" type="datetimeFigureOut">
               <a:rPr lang="en-US"/>
-              <a:t>2/4/2021</a:t>
+              <a:t>2/5/2021</a:t>
             </a:fld>
             <a:endParaRPr/>
           </a:p>
@@ -5161,7 +5218,7 @@
                 </a:solidFill>
                 <a:latin typeface="Consolas (Headings)"/>
               </a:rPr>
-              <a:t>Episode 02</a:t>
+              <a:t>Episode 03</a:t>
             </a:r>
             <a:endParaRPr lang="LID4096" sz="3200" dirty="0">
               <a:solidFill>
@@ -5646,7 +5703,7 @@
           <a:p>
             <a:fld id="{37CC0096-1860-4642-9CD2-0079EA5E7CD1}" type="datetimeFigureOut">
               <a:rPr lang="en-US" smtClean="0"/>
-              <a:t>2/4/2021</a:t>
+              <a:t>2/5/2021</a:t>
             </a:fld>
             <a:endParaRPr lang="en-US"/>
           </a:p>
@@ -5957,7 +6014,7 @@
           <a:p>
             <a:fld id="{37CC0096-1860-4642-9CD2-0079EA5E7CD1}" type="datetimeFigureOut">
               <a:rPr lang="en-US" smtClean="0"/>
-              <a:t>2/4/2021</a:t>
+              <a:t>2/5/2021</a:t>
             </a:fld>
             <a:endParaRPr lang="en-US"/>
           </a:p>
@@ -6126,7 +6183,7 @@
           <a:p>
             <a:fld id="{37CC0096-1860-4642-9CD2-0079EA5E7CD1}" type="datetimeFigureOut">
               <a:rPr lang="en-US" smtClean="0"/>
-              <a:t>2/4/2021</a:t>
+              <a:t>2/5/2021</a:t>
             </a:fld>
             <a:endParaRPr lang="en-US"/>
           </a:p>
@@ -6305,7 +6362,7 @@
           <a:p>
             <a:fld id="{37CC0096-1860-4642-9CD2-0079EA5E7CD1}" type="datetimeFigureOut">
               <a:rPr lang="en-US" smtClean="0"/>
-              <a:t>2/4/2021</a:t>
+              <a:t>2/5/2021</a:t>
             </a:fld>
             <a:endParaRPr lang="en-US"/>
           </a:p>
@@ -6596,7 +6653,7 @@
           <a:p>
             <a:fld id="{37CC0096-1860-4642-9CD2-0079EA5E7CD1}" type="datetimeFigureOut">
               <a:rPr lang="en-US" smtClean="0"/>
-              <a:t>2/4/2021</a:t>
+              <a:t>2/5/2021</a:t>
             </a:fld>
             <a:endParaRPr lang="en-US"/>
           </a:p>
@@ -7023,7 +7080,7 @@
           <a:p>
             <a:fld id="{37CC0096-1860-4642-9CD2-0079EA5E7CD1}" type="datetimeFigureOut">
               <a:rPr lang="en-US" smtClean="0"/>
-              <a:t>2/4/2021</a:t>
+              <a:t>2/5/2021</a:t>
             </a:fld>
             <a:endParaRPr lang="en-US"/>
           </a:p>
@@ -7456,7 +7513,7 @@
           <a:p>
             <a:fld id="{37CC0096-1860-4642-9CD2-0079EA5E7CD1}" type="datetimeFigureOut">
               <a:rPr lang="en-US" smtClean="0"/>
-              <a:t>2/4/2021</a:t>
+              <a:t>2/5/2021</a:t>
             </a:fld>
             <a:endParaRPr lang="en-US"/>
           </a:p>
@@ -7895,7 +7952,7 @@
           <a:p>
             <a:fld id="{37CC0096-1860-4642-9CD2-0079EA5E7CD1}" type="datetimeFigureOut">
               <a:rPr lang="en-US" smtClean="0"/>
-              <a:t>2/4/2021</a:t>
+              <a:t>2/5/2021</a:t>
             </a:fld>
             <a:endParaRPr lang="en-US"/>
           </a:p>
@@ -8012,7 +8069,7 @@
           <a:p>
             <a:fld id="{37CC0096-1860-4642-9CD2-0079EA5E7CD1}" type="datetimeFigureOut">
               <a:rPr lang="en-US" smtClean="0"/>
-              <a:t>2/4/2021</a:t>
+              <a:t>2/5/2021</a:t>
             </a:fld>
             <a:endParaRPr lang="en-US"/>
           </a:p>
@@ -8107,7 +8164,7 @@
           <a:p>
             <a:fld id="{37CC0096-1860-4642-9CD2-0079EA5E7CD1}" type="datetimeFigureOut">
               <a:rPr lang="en-US" smtClean="0"/>
-              <a:t>2/4/2021</a:t>
+              <a:t>2/5/2021</a:t>
             </a:fld>
             <a:endParaRPr lang="en-US"/>
           </a:p>
@@ -8319,7 +8376,7 @@
           <a:p>
             <a:fld id="{9420A81C-88FD-4BBC-9AC4-0552DE3F24E8}" type="datetimeFigureOut">
               <a:rPr lang="LID4096" smtClean="0"/>
-              <a:t>02/04/2021</a:t>
+              <a:t>02/05/2021</a:t>
             </a:fld>
             <a:endParaRPr lang="LID4096"/>
           </a:p>
@@ -8903,7 +8960,7 @@
             <a:fld id="{37CC0096-1860-4642-9CD2-0079EA5E7CD1}" type="datetimeFigureOut">
               <a:rPr lang="en-US" smtClean="0"/>
               <a:pPr/>
-              <a:t>2/4/2021</a:t>
+              <a:t>2/5/2021</a:t>
             </a:fld>
             <a:endParaRPr lang="en-US"/>
           </a:p>
@@ -9535,7 +9592,7 @@
           <a:p>
             <a:r>
               <a:rPr lang="en-AU" dirty="0"/>
-              <a:t>Building the shell</a:t>
+              <a:t>Dressing up</a:t>
             </a:r>
           </a:p>
         </p:txBody>
@@ -9634,181 +9691,160 @@
           </a:p>
         </p:txBody>
       </p:sp>
-      <p:grpSp>
-        <p:nvGrpSpPr>
-          <p:cNvPr id="4" name="Group 3">
+      <p:sp>
+        <p:nvSpPr>
+          <p:cNvPr id="7" name="TextBox 6">
             <a:extLst>
               <a:ext uri="{FF2B5EF4-FFF2-40B4-BE49-F238E27FC236}">
-                <a16:creationId xmlns:a16="http://schemas.microsoft.com/office/drawing/2014/main" id="{39F2DD3E-69D3-480F-A8CF-7F09259D2F84}"/>
+                <a16:creationId xmlns:a16="http://schemas.microsoft.com/office/drawing/2014/main" id="{48BE1233-78D6-4F9B-8ACB-E8534D105E95}"/>
               </a:ext>
             </a:extLst>
           </p:cNvPr>
-          <p:cNvGrpSpPr/>
+          <p:cNvSpPr txBox="1"/>
           <p:nvPr/>
-        </p:nvGrpSpPr>
-        <p:grpSpPr>
+        </p:nvSpPr>
+        <p:spPr>
           <a:xfrm>
-            <a:off x="533400" y="6477000"/>
-            <a:ext cx="11658600" cy="381000"/>
-            <a:chOff x="533400" y="6477000"/>
-            <a:chExt cx="11658600" cy="381000"/>
+            <a:off x="533400" y="6488668"/>
+            <a:ext cx="4953000" cy="369332"/>
           </a:xfrm>
-        </p:grpSpPr>
-        <p:sp>
-          <p:nvSpPr>
-            <p:cNvPr id="5" name="Rectangle 4">
-              <a:extLst>
-                <a:ext uri="{FF2B5EF4-FFF2-40B4-BE49-F238E27FC236}">
-                  <a16:creationId xmlns:a16="http://schemas.microsoft.com/office/drawing/2014/main" id="{F4B61A60-9B75-4127-AD8B-ADA920C8B0B5}"/>
-                </a:ext>
-              </a:extLst>
-            </p:cNvPr>
-            <p:cNvSpPr/>
-            <p:nvPr/>
-          </p:nvSpPr>
-          <p:spPr>
-            <a:xfrm>
-              <a:off x="7086600" y="6477000"/>
-              <a:ext cx="5105400" cy="304800"/>
-            </a:xfrm>
-            <a:prstGeom prst="rect">
-              <a:avLst/>
-            </a:prstGeom>
-            <a:solidFill>
-              <a:schemeClr val="bg1"/>
-            </a:solidFill>
-            <a:ln w="38100">
-              <a:solidFill>
-                <a:schemeClr val="accent4">
-                  <a:lumMod val="75000"/>
-                </a:schemeClr>
-              </a:solidFill>
-            </a:ln>
-          </p:spPr>
-          <p:style>
-            <a:lnRef idx="2">
-              <a:schemeClr val="accent1">
-                <a:shade val="50000"/>
-              </a:schemeClr>
-            </a:lnRef>
-            <a:fillRef idx="1">
-              <a:schemeClr val="accent1"/>
-            </a:fillRef>
-            <a:effectRef idx="0">
-              <a:schemeClr val="accent1"/>
-            </a:effectRef>
-            <a:fontRef idx="minor">
-              <a:schemeClr val="lt1"/>
-            </a:fontRef>
-          </p:style>
-          <p:txBody>
-            <a:bodyPr rtlCol="0" anchor="ctr"/>
-            <a:lstStyle/>
-            <a:p>
-              <a:pPr algn="ctr"/>
-              <a:endParaRPr lang="en-AU"/>
-            </a:p>
-          </p:txBody>
-        </p:sp>
-        <p:sp>
-          <p:nvSpPr>
-            <p:cNvPr id="6" name="Rectangle 5">
-              <a:extLst>
-                <a:ext uri="{FF2B5EF4-FFF2-40B4-BE49-F238E27FC236}">
-                  <a16:creationId xmlns:a16="http://schemas.microsoft.com/office/drawing/2014/main" id="{6E1CC79E-DEE8-41D8-A12A-DE0A394A7AC2}"/>
-                </a:ext>
-              </a:extLst>
-            </p:cNvPr>
-            <p:cNvSpPr/>
-            <p:nvPr/>
-          </p:nvSpPr>
-          <p:spPr>
-            <a:xfrm>
-              <a:off x="7086600" y="6477000"/>
-              <a:ext cx="1066800" cy="304800"/>
-            </a:xfrm>
-            <a:prstGeom prst="rect">
-              <a:avLst/>
-            </a:prstGeom>
-            <a:solidFill>
-              <a:schemeClr val="accent2"/>
-            </a:solidFill>
-            <a:ln w="38100">
-              <a:noFill/>
-            </a:ln>
-          </p:spPr>
-          <p:style>
-            <a:lnRef idx="2">
-              <a:schemeClr val="accent1">
-                <a:shade val="50000"/>
-              </a:schemeClr>
-            </a:lnRef>
-            <a:fillRef idx="1">
-              <a:schemeClr val="accent1"/>
-            </a:fillRef>
-            <a:effectRef idx="0">
-              <a:schemeClr val="accent1"/>
-            </a:effectRef>
-            <a:fontRef idx="minor">
-              <a:schemeClr val="lt1"/>
-            </a:fontRef>
-          </p:style>
-          <p:txBody>
-            <a:bodyPr rtlCol="0" anchor="ctr"/>
-            <a:lstStyle/>
-            <a:p>
-              <a:pPr algn="ctr"/>
-              <a:endParaRPr lang="en-AU" dirty="0"/>
-            </a:p>
-          </p:txBody>
-        </p:sp>
-        <p:sp>
-          <p:nvSpPr>
-            <p:cNvPr id="7" name="TextBox 6">
-              <a:extLst>
-                <a:ext uri="{FF2B5EF4-FFF2-40B4-BE49-F238E27FC236}">
-                  <a16:creationId xmlns:a16="http://schemas.microsoft.com/office/drawing/2014/main" id="{48BE1233-78D6-4F9B-8ACB-E8534D105E95}"/>
-                </a:ext>
-              </a:extLst>
-            </p:cNvPr>
-            <p:cNvSpPr txBox="1"/>
-            <p:nvPr/>
-          </p:nvSpPr>
-          <p:spPr>
-            <a:xfrm>
-              <a:off x="533400" y="6488668"/>
-              <a:ext cx="4953000" cy="369332"/>
-            </a:xfrm>
-            <a:prstGeom prst="rect">
-              <a:avLst/>
-            </a:prstGeom>
-            <a:noFill/>
-          </p:spPr>
-          <p:txBody>
-            <a:bodyPr wrap="square" rtlCol="0">
-              <a:spAutoFit/>
-            </a:bodyPr>
-            <a:lstStyle/>
-            <a:p>
-              <a:r>
-                <a:rPr lang="en-US" b="1" dirty="0">
-                  <a:solidFill>
-                    <a:schemeClr val="bg1"/>
-                  </a:solidFill>
-                  <a:latin typeface="Consolas (Headings)"/>
-                </a:rPr>
-                <a:t>Part I: Report on the last episode</a:t>
-              </a:r>
-              <a:endParaRPr lang="en-AU" b="1" dirty="0">
+          <a:prstGeom prst="rect">
+            <a:avLst/>
+          </a:prstGeom>
+          <a:noFill/>
+        </p:spPr>
+        <p:txBody>
+          <a:bodyPr wrap="square" rtlCol="0">
+            <a:spAutoFit/>
+          </a:bodyPr>
+          <a:lstStyle/>
+          <a:p>
+            <a:r>
+              <a:rPr lang="en-US" b="1" dirty="0">
                 <a:solidFill>
                   <a:schemeClr val="bg1"/>
                 </a:solidFill>
                 <a:latin typeface="Consolas (Headings)"/>
-              </a:endParaRPr>
-            </a:p>
-          </p:txBody>
-        </p:sp>
-      </p:grpSp>
+              </a:rPr>
+              <a:t>Part I: Report on the last episode</a:t>
+            </a:r>
+            <a:endParaRPr lang="en-AU" b="1" dirty="0">
+              <a:solidFill>
+                <a:schemeClr val="bg1"/>
+              </a:solidFill>
+              <a:latin typeface="Consolas (Headings)"/>
+            </a:endParaRPr>
+          </a:p>
+        </p:txBody>
+      </p:sp>
+      <p:sp>
+        <p:nvSpPr>
+          <p:cNvPr id="8" name="Rectangle 7">
+            <a:extLst>
+              <a:ext uri="{FF2B5EF4-FFF2-40B4-BE49-F238E27FC236}">
+                <a16:creationId xmlns:a16="http://schemas.microsoft.com/office/drawing/2014/main" id="{9A229AD1-357A-4F2C-9C0E-EAA18D4A7087}"/>
+              </a:ext>
+            </a:extLst>
+          </p:cNvPr>
+          <p:cNvSpPr/>
+          <p:nvPr/>
+        </p:nvSpPr>
+        <p:spPr>
+          <a:xfrm>
+            <a:off x="7086600" y="6477000"/>
+            <a:ext cx="5105400" cy="304800"/>
+          </a:xfrm>
+          <a:prstGeom prst="rect">
+            <a:avLst/>
+          </a:prstGeom>
+          <a:solidFill>
+            <a:schemeClr val="bg1"/>
+          </a:solidFill>
+          <a:ln w="38100">
+            <a:solidFill>
+              <a:schemeClr val="accent4">
+                <a:lumMod val="75000"/>
+              </a:schemeClr>
+            </a:solidFill>
+          </a:ln>
+        </p:spPr>
+        <p:style>
+          <a:lnRef idx="2">
+            <a:schemeClr val="accent1">
+              <a:shade val="50000"/>
+            </a:schemeClr>
+          </a:lnRef>
+          <a:fillRef idx="1">
+            <a:schemeClr val="accent1"/>
+          </a:fillRef>
+          <a:effectRef idx="0">
+            <a:schemeClr val="accent1"/>
+          </a:effectRef>
+          <a:fontRef idx="minor">
+            <a:schemeClr val="lt1"/>
+          </a:fontRef>
+        </p:style>
+        <p:txBody>
+          <a:bodyPr rtlCol="0" anchor="ctr"/>
+          <a:lstStyle/>
+          <a:p>
+            <a:pPr algn="ctr"/>
+            <a:endParaRPr lang="en-AU"/>
+          </a:p>
+        </p:txBody>
+      </p:sp>
+      <p:sp>
+        <p:nvSpPr>
+          <p:cNvPr id="9" name="Rectangle 8">
+            <a:extLst>
+              <a:ext uri="{FF2B5EF4-FFF2-40B4-BE49-F238E27FC236}">
+                <a16:creationId xmlns:a16="http://schemas.microsoft.com/office/drawing/2014/main" id="{92E71828-9A72-4B68-AC81-49949CFD38AA}"/>
+              </a:ext>
+            </a:extLst>
+          </p:cNvPr>
+          <p:cNvSpPr/>
+          <p:nvPr/>
+        </p:nvSpPr>
+        <p:spPr>
+          <a:xfrm>
+            <a:off x="7086600" y="6477000"/>
+            <a:ext cx="2667000" cy="304800"/>
+          </a:xfrm>
+          <a:prstGeom prst="rect">
+            <a:avLst/>
+          </a:prstGeom>
+          <a:solidFill>
+            <a:schemeClr val="accent2"/>
+          </a:solidFill>
+          <a:ln w="38100">
+            <a:noFill/>
+          </a:ln>
+        </p:spPr>
+        <p:style>
+          <a:lnRef idx="2">
+            <a:schemeClr val="accent1">
+              <a:shade val="50000"/>
+            </a:schemeClr>
+          </a:lnRef>
+          <a:fillRef idx="1">
+            <a:schemeClr val="accent1"/>
+          </a:fillRef>
+          <a:effectRef idx="0">
+            <a:schemeClr val="accent1"/>
+          </a:effectRef>
+          <a:fontRef idx="minor">
+            <a:schemeClr val="lt1"/>
+          </a:fontRef>
+        </p:style>
+        <p:txBody>
+          <a:bodyPr rtlCol="0" anchor="ctr"/>
+          <a:lstStyle/>
+          <a:p>
+            <a:pPr algn="ctr"/>
+            <a:endParaRPr lang="en-AU" dirty="0"/>
+          </a:p>
+        </p:txBody>
+      </p:sp>
     </p:spTree>
     <p:extLst>
       <p:ext uri="{BB962C8B-B14F-4D97-AF65-F5344CB8AC3E}">
@@ -9905,181 +9941,160 @@
           </a:p>
         </p:txBody>
       </p:sp>
-      <p:grpSp>
-        <p:nvGrpSpPr>
-          <p:cNvPr id="4" name="Group 3">
+      <p:sp>
+        <p:nvSpPr>
+          <p:cNvPr id="7" name="TextBox 6">
             <a:extLst>
               <a:ext uri="{FF2B5EF4-FFF2-40B4-BE49-F238E27FC236}">
-                <a16:creationId xmlns:a16="http://schemas.microsoft.com/office/drawing/2014/main" id="{F75D4425-8EBF-47A4-8FB8-C248D4F4630E}"/>
+                <a16:creationId xmlns:a16="http://schemas.microsoft.com/office/drawing/2014/main" id="{5522E2AF-8D46-43ED-BBC0-2F26D92A6E72}"/>
               </a:ext>
             </a:extLst>
           </p:cNvPr>
-          <p:cNvGrpSpPr/>
+          <p:cNvSpPr txBox="1"/>
           <p:nvPr/>
-        </p:nvGrpSpPr>
-        <p:grpSpPr>
+        </p:nvSpPr>
+        <p:spPr>
           <a:xfrm>
-            <a:off x="533400" y="6477000"/>
-            <a:ext cx="11658600" cy="381000"/>
-            <a:chOff x="533400" y="6477000"/>
-            <a:chExt cx="11658600" cy="381000"/>
+            <a:off x="533400" y="6488668"/>
+            <a:ext cx="4953000" cy="369332"/>
           </a:xfrm>
-        </p:grpSpPr>
-        <p:sp>
-          <p:nvSpPr>
-            <p:cNvPr id="5" name="Rectangle 4">
-              <a:extLst>
-                <a:ext uri="{FF2B5EF4-FFF2-40B4-BE49-F238E27FC236}">
-                  <a16:creationId xmlns:a16="http://schemas.microsoft.com/office/drawing/2014/main" id="{1294F3DD-844B-4C19-B892-BF47A04E4B41}"/>
-                </a:ext>
-              </a:extLst>
-            </p:cNvPr>
-            <p:cNvSpPr/>
-            <p:nvPr/>
-          </p:nvSpPr>
-          <p:spPr>
-            <a:xfrm>
-              <a:off x="7086600" y="6477000"/>
-              <a:ext cx="5105400" cy="304800"/>
-            </a:xfrm>
-            <a:prstGeom prst="rect">
-              <a:avLst/>
-            </a:prstGeom>
-            <a:solidFill>
-              <a:schemeClr val="bg1"/>
-            </a:solidFill>
-            <a:ln w="38100">
-              <a:solidFill>
-                <a:schemeClr val="accent4">
-                  <a:lumMod val="75000"/>
-                </a:schemeClr>
-              </a:solidFill>
-            </a:ln>
-          </p:spPr>
-          <p:style>
-            <a:lnRef idx="2">
-              <a:schemeClr val="accent1">
-                <a:shade val="50000"/>
-              </a:schemeClr>
-            </a:lnRef>
-            <a:fillRef idx="1">
-              <a:schemeClr val="accent1"/>
-            </a:fillRef>
-            <a:effectRef idx="0">
-              <a:schemeClr val="accent1"/>
-            </a:effectRef>
-            <a:fontRef idx="minor">
-              <a:schemeClr val="lt1"/>
-            </a:fontRef>
-          </p:style>
-          <p:txBody>
-            <a:bodyPr rtlCol="0" anchor="ctr"/>
-            <a:lstStyle/>
-            <a:p>
-              <a:pPr algn="ctr"/>
-              <a:endParaRPr lang="en-AU"/>
-            </a:p>
-          </p:txBody>
-        </p:sp>
-        <p:sp>
-          <p:nvSpPr>
-            <p:cNvPr id="6" name="Rectangle 5">
-              <a:extLst>
-                <a:ext uri="{FF2B5EF4-FFF2-40B4-BE49-F238E27FC236}">
-                  <a16:creationId xmlns:a16="http://schemas.microsoft.com/office/drawing/2014/main" id="{0B284884-7FA9-4EC2-B94D-D91D5FF264EB}"/>
-                </a:ext>
-              </a:extLst>
-            </p:cNvPr>
-            <p:cNvSpPr/>
-            <p:nvPr/>
-          </p:nvSpPr>
-          <p:spPr>
-            <a:xfrm>
-              <a:off x="7086600" y="6477000"/>
-              <a:ext cx="1066800" cy="304800"/>
-            </a:xfrm>
-            <a:prstGeom prst="rect">
-              <a:avLst/>
-            </a:prstGeom>
-            <a:solidFill>
-              <a:schemeClr val="accent2"/>
-            </a:solidFill>
-            <a:ln w="38100">
-              <a:noFill/>
-            </a:ln>
-          </p:spPr>
-          <p:style>
-            <a:lnRef idx="2">
-              <a:schemeClr val="accent1">
-                <a:shade val="50000"/>
-              </a:schemeClr>
-            </a:lnRef>
-            <a:fillRef idx="1">
-              <a:schemeClr val="accent1"/>
-            </a:fillRef>
-            <a:effectRef idx="0">
-              <a:schemeClr val="accent1"/>
-            </a:effectRef>
-            <a:fontRef idx="minor">
-              <a:schemeClr val="lt1"/>
-            </a:fontRef>
-          </p:style>
-          <p:txBody>
-            <a:bodyPr rtlCol="0" anchor="ctr"/>
-            <a:lstStyle/>
-            <a:p>
-              <a:pPr algn="ctr"/>
-              <a:endParaRPr lang="en-AU" dirty="0"/>
-            </a:p>
-          </p:txBody>
-        </p:sp>
-        <p:sp>
-          <p:nvSpPr>
-            <p:cNvPr id="7" name="TextBox 6">
-              <a:extLst>
-                <a:ext uri="{FF2B5EF4-FFF2-40B4-BE49-F238E27FC236}">
-                  <a16:creationId xmlns:a16="http://schemas.microsoft.com/office/drawing/2014/main" id="{5522E2AF-8D46-43ED-BBC0-2F26D92A6E72}"/>
-                </a:ext>
-              </a:extLst>
-            </p:cNvPr>
-            <p:cNvSpPr txBox="1"/>
-            <p:nvPr/>
-          </p:nvSpPr>
-          <p:spPr>
-            <a:xfrm>
-              <a:off x="533400" y="6488668"/>
-              <a:ext cx="4953000" cy="369332"/>
-            </a:xfrm>
-            <a:prstGeom prst="rect">
-              <a:avLst/>
-            </a:prstGeom>
-            <a:noFill/>
-          </p:spPr>
-          <p:txBody>
-            <a:bodyPr wrap="square" rtlCol="0">
-              <a:spAutoFit/>
-            </a:bodyPr>
-            <a:lstStyle/>
-            <a:p>
-              <a:r>
-                <a:rPr lang="en-US" b="1" dirty="0">
-                  <a:solidFill>
-                    <a:schemeClr val="bg1"/>
-                  </a:solidFill>
-                  <a:latin typeface="Consolas (Headings)"/>
-                </a:rPr>
-                <a:t>Part I: Report on the last episode</a:t>
-              </a:r>
-              <a:endParaRPr lang="en-AU" b="1" dirty="0">
+          <a:prstGeom prst="rect">
+            <a:avLst/>
+          </a:prstGeom>
+          <a:noFill/>
+        </p:spPr>
+        <p:txBody>
+          <a:bodyPr wrap="square" rtlCol="0">
+            <a:spAutoFit/>
+          </a:bodyPr>
+          <a:lstStyle/>
+          <a:p>
+            <a:r>
+              <a:rPr lang="en-US" b="1" dirty="0">
                 <a:solidFill>
                   <a:schemeClr val="bg1"/>
                 </a:solidFill>
                 <a:latin typeface="Consolas (Headings)"/>
-              </a:endParaRPr>
-            </a:p>
-          </p:txBody>
-        </p:sp>
-      </p:grpSp>
+              </a:rPr>
+              <a:t>Part I: Report on the last episode</a:t>
+            </a:r>
+            <a:endParaRPr lang="en-AU" b="1" dirty="0">
+              <a:solidFill>
+                <a:schemeClr val="bg1"/>
+              </a:solidFill>
+              <a:latin typeface="Consolas (Headings)"/>
+            </a:endParaRPr>
+          </a:p>
+        </p:txBody>
+      </p:sp>
+      <p:sp>
+        <p:nvSpPr>
+          <p:cNvPr id="8" name="Rectangle 7">
+            <a:extLst>
+              <a:ext uri="{FF2B5EF4-FFF2-40B4-BE49-F238E27FC236}">
+                <a16:creationId xmlns:a16="http://schemas.microsoft.com/office/drawing/2014/main" id="{FFE0F78E-7AAD-4112-BE64-D32D5DE878FA}"/>
+              </a:ext>
+            </a:extLst>
+          </p:cNvPr>
+          <p:cNvSpPr/>
+          <p:nvPr/>
+        </p:nvSpPr>
+        <p:spPr>
+          <a:xfrm>
+            <a:off x="7086600" y="6477000"/>
+            <a:ext cx="5105400" cy="304800"/>
+          </a:xfrm>
+          <a:prstGeom prst="rect">
+            <a:avLst/>
+          </a:prstGeom>
+          <a:solidFill>
+            <a:schemeClr val="bg1"/>
+          </a:solidFill>
+          <a:ln w="38100">
+            <a:solidFill>
+              <a:schemeClr val="accent4">
+                <a:lumMod val="75000"/>
+              </a:schemeClr>
+            </a:solidFill>
+          </a:ln>
+        </p:spPr>
+        <p:style>
+          <a:lnRef idx="2">
+            <a:schemeClr val="accent1">
+              <a:shade val="50000"/>
+            </a:schemeClr>
+          </a:lnRef>
+          <a:fillRef idx="1">
+            <a:schemeClr val="accent1"/>
+          </a:fillRef>
+          <a:effectRef idx="0">
+            <a:schemeClr val="accent1"/>
+          </a:effectRef>
+          <a:fontRef idx="minor">
+            <a:schemeClr val="lt1"/>
+          </a:fontRef>
+        </p:style>
+        <p:txBody>
+          <a:bodyPr rtlCol="0" anchor="ctr"/>
+          <a:lstStyle/>
+          <a:p>
+            <a:pPr algn="ctr"/>
+            <a:endParaRPr lang="en-AU"/>
+          </a:p>
+        </p:txBody>
+      </p:sp>
+      <p:sp>
+        <p:nvSpPr>
+          <p:cNvPr id="9" name="Rectangle 8">
+            <a:extLst>
+              <a:ext uri="{FF2B5EF4-FFF2-40B4-BE49-F238E27FC236}">
+                <a16:creationId xmlns:a16="http://schemas.microsoft.com/office/drawing/2014/main" id="{0B4AAF7C-EFD3-4B21-9D64-E486D01E7A30}"/>
+              </a:ext>
+            </a:extLst>
+          </p:cNvPr>
+          <p:cNvSpPr/>
+          <p:nvPr/>
+        </p:nvSpPr>
+        <p:spPr>
+          <a:xfrm>
+            <a:off x="7086600" y="6477000"/>
+            <a:ext cx="2667000" cy="304800"/>
+          </a:xfrm>
+          <a:prstGeom prst="rect">
+            <a:avLst/>
+          </a:prstGeom>
+          <a:solidFill>
+            <a:schemeClr val="accent2"/>
+          </a:solidFill>
+          <a:ln w="38100">
+            <a:noFill/>
+          </a:ln>
+        </p:spPr>
+        <p:style>
+          <a:lnRef idx="2">
+            <a:schemeClr val="accent1">
+              <a:shade val="50000"/>
+            </a:schemeClr>
+          </a:lnRef>
+          <a:fillRef idx="1">
+            <a:schemeClr val="accent1"/>
+          </a:fillRef>
+          <a:effectRef idx="0">
+            <a:schemeClr val="accent1"/>
+          </a:effectRef>
+          <a:fontRef idx="minor">
+            <a:schemeClr val="lt1"/>
+          </a:fontRef>
+        </p:style>
+        <p:txBody>
+          <a:bodyPr rtlCol="0" anchor="ctr"/>
+          <a:lstStyle/>
+          <a:p>
+            <a:pPr algn="ctr"/>
+            <a:endParaRPr lang="en-AU" dirty="0"/>
+          </a:p>
+        </p:txBody>
+      </p:sp>
     </p:spTree>
     <p:extLst>
       <p:ext uri="{BB962C8B-B14F-4D97-AF65-F5344CB8AC3E}">
@@ -10536,7 +10551,7 @@
                   </a:solidFill>
                   <a:latin typeface="Consolas (Headings)"/>
                 </a:rPr>
-                <a:t>Part V: Debrief</a:t>
+                <a:t>Part II: Debrief</a:t>
               </a:r>
               <a:endParaRPr lang="en-AU" b="1" dirty="0">
                 <a:solidFill>
@@ -10816,7 +10831,7 @@
                   </a:solidFill>
                   <a:latin typeface="Consolas (Headings)"/>
                 </a:rPr>
-                <a:t>Part V: Debrief</a:t>
+                <a:t>Part II: Debrief</a:t>
               </a:r>
               <a:endParaRPr lang="en-AU" b="1" dirty="0">
                 <a:solidFill>
@@ -11121,7 +11136,7 @@
                   </a:solidFill>
                   <a:latin typeface="Consolas (Headings)"/>
                 </a:rPr>
-                <a:t>Part V: Debrief</a:t>
+                <a:t>Part II: Debrief</a:t>
               </a:r>
               <a:endParaRPr lang="en-AU" b="1" dirty="0">
                 <a:solidFill>
@@ -11470,7 +11485,7 @@
                   </a:solidFill>
                   <a:latin typeface="Consolas (Headings)"/>
                 </a:rPr>
-                <a:t>Part V: Debrief</a:t>
+                <a:t>Part II: Debrief</a:t>
               </a:r>
               <a:endParaRPr lang="en-AU" b="1" dirty="0">
                 <a:solidFill>
@@ -11829,7 +11844,7 @@
                   </a:solidFill>
                   <a:latin typeface="Consolas (Headings)"/>
                 </a:rPr>
-                <a:t>Part V: Debrief</a:t>
+                <a:t>Part II: Debrief</a:t>
               </a:r>
               <a:endParaRPr lang="en-AU" b="1" dirty="0">
                 <a:solidFill>
@@ -12251,7 +12266,7 @@
                   </a:solidFill>
                   <a:latin typeface="Consolas (Headings)"/>
                 </a:rPr>
-                <a:t>Part V: Debrief</a:t>
+                <a:t>Part II: Debrief</a:t>
               </a:r>
               <a:endParaRPr lang="en-AU" b="1" dirty="0">
                 <a:solidFill>
@@ -12758,7 +12773,7 @@
                   </a:solidFill>
                   <a:latin typeface="Consolas (Headings)"/>
                 </a:rPr>
-                <a:t>Part V: Debrief</a:t>
+                <a:t>Part II: Debrief</a:t>
               </a:r>
               <a:endParaRPr lang="en-AU" b="1" dirty="0">
                 <a:solidFill>
@@ -13172,14 +13187,14 @@
             <a:pPr lvl="1"/>
             <a:r>
               <a:rPr lang="en-US" sz="2800" dirty="0"/>
-              <a:t>Twitch: 24</a:t>
+              <a:t>Twitch: 33 (+9)</a:t>
             </a:r>
           </a:p>
           <a:p>
             <a:pPr lvl="1"/>
             <a:r>
               <a:rPr lang="en-US" sz="2800" dirty="0"/>
-              <a:t>YouTube: 9</a:t>
+              <a:t>YouTube: 10 (+1)</a:t>
             </a:r>
           </a:p>
           <a:p>
@@ -13464,9 +13479,163 @@
           </a:p>
         </p:txBody>
       </p:sp>
+      <p:sp>
+        <p:nvSpPr>
+          <p:cNvPr id="4" name="Rectangle 3">
+            <a:extLst>
+              <a:ext uri="{FF2B5EF4-FFF2-40B4-BE49-F238E27FC236}">
+                <a16:creationId xmlns:a16="http://schemas.microsoft.com/office/drawing/2014/main" id="{B293FBFF-20FD-44F0-AC91-E8772AE591B4}"/>
+              </a:ext>
+            </a:extLst>
+          </p:cNvPr>
+          <p:cNvSpPr/>
+          <p:nvPr/>
+        </p:nvSpPr>
+        <p:spPr>
+          <a:xfrm>
+            <a:off x="7086600" y="6477000"/>
+            <a:ext cx="5105400" cy="304800"/>
+          </a:xfrm>
+          <a:prstGeom prst="rect">
+            <a:avLst/>
+          </a:prstGeom>
+          <a:solidFill>
+            <a:schemeClr val="bg1"/>
+          </a:solidFill>
+          <a:ln w="38100">
+            <a:solidFill>
+              <a:schemeClr val="accent4">
+                <a:lumMod val="75000"/>
+              </a:schemeClr>
+            </a:solidFill>
+          </a:ln>
+        </p:spPr>
+        <p:style>
+          <a:lnRef idx="2">
+            <a:schemeClr val="accent1">
+              <a:shade val="50000"/>
+            </a:schemeClr>
+          </a:lnRef>
+          <a:fillRef idx="1">
+            <a:schemeClr val="accent1"/>
+          </a:fillRef>
+          <a:effectRef idx="0">
+            <a:schemeClr val="accent1"/>
+          </a:effectRef>
+          <a:fontRef idx="minor">
+            <a:schemeClr val="lt1"/>
+          </a:fontRef>
+        </p:style>
+        <p:txBody>
+          <a:bodyPr rtlCol="0" anchor="ctr"/>
+          <a:lstStyle/>
+          <a:p>
+            <a:pPr algn="ctr"/>
+            <a:endParaRPr lang="en-AU"/>
+          </a:p>
+        </p:txBody>
+      </p:sp>
+      <p:sp>
+        <p:nvSpPr>
+          <p:cNvPr id="6" name="Rectangle 5">
+            <a:extLst>
+              <a:ext uri="{FF2B5EF4-FFF2-40B4-BE49-F238E27FC236}">
+                <a16:creationId xmlns:a16="http://schemas.microsoft.com/office/drawing/2014/main" id="{23E95CE2-079F-4912-A79E-CBDC4809DA30}"/>
+              </a:ext>
+            </a:extLst>
+          </p:cNvPr>
+          <p:cNvSpPr/>
+          <p:nvPr/>
+        </p:nvSpPr>
+        <p:spPr>
+          <a:xfrm>
+            <a:off x="7086600" y="6477000"/>
+            <a:ext cx="2667000" cy="304800"/>
+          </a:xfrm>
+          <a:prstGeom prst="rect">
+            <a:avLst/>
+          </a:prstGeom>
+          <a:solidFill>
+            <a:schemeClr val="accent2"/>
+          </a:solidFill>
+          <a:ln w="38100">
+            <a:noFill/>
+          </a:ln>
+        </p:spPr>
+        <p:style>
+          <a:lnRef idx="2">
+            <a:schemeClr val="accent1">
+              <a:shade val="50000"/>
+            </a:schemeClr>
+          </a:lnRef>
+          <a:fillRef idx="1">
+            <a:schemeClr val="accent1"/>
+          </a:fillRef>
+          <a:effectRef idx="0">
+            <a:schemeClr val="accent1"/>
+          </a:effectRef>
+          <a:fontRef idx="minor">
+            <a:schemeClr val="lt1"/>
+          </a:fontRef>
+        </p:style>
+        <p:txBody>
+          <a:bodyPr rtlCol="0" anchor="ctr"/>
+          <a:lstStyle/>
+          <a:p>
+            <a:pPr algn="ctr"/>
+            <a:endParaRPr lang="en-AU" dirty="0"/>
+          </a:p>
+        </p:txBody>
+      </p:sp>
+      <p:sp>
+        <p:nvSpPr>
+          <p:cNvPr id="8" name="TextBox 7">
+            <a:extLst>
+              <a:ext uri="{FF2B5EF4-FFF2-40B4-BE49-F238E27FC236}">
+                <a16:creationId xmlns:a16="http://schemas.microsoft.com/office/drawing/2014/main" id="{4B2CA33F-425B-4686-92DE-EDF708B1D50B}"/>
+              </a:ext>
+            </a:extLst>
+          </p:cNvPr>
+          <p:cNvSpPr txBox="1"/>
+          <p:nvPr/>
+        </p:nvSpPr>
+        <p:spPr>
+          <a:xfrm>
+            <a:off x="533400" y="6488668"/>
+            <a:ext cx="4953000" cy="369332"/>
+          </a:xfrm>
+          <a:prstGeom prst="rect">
+            <a:avLst/>
+          </a:prstGeom>
+          <a:noFill/>
+        </p:spPr>
+        <p:txBody>
+          <a:bodyPr wrap="square" rtlCol="0">
+            <a:spAutoFit/>
+          </a:bodyPr>
+          <a:lstStyle/>
+          <a:p>
+            <a:r>
+              <a:rPr lang="en-US" b="1" dirty="0">
+                <a:solidFill>
+                  <a:schemeClr val="bg1"/>
+                </a:solidFill>
+                <a:latin typeface="Consolas (Headings)"/>
+              </a:rPr>
+              <a:t>Part I: Report on the last episode</a:t>
+            </a:r>
+            <a:endParaRPr lang="en-AU" b="1" dirty="0">
+              <a:solidFill>
+                <a:schemeClr val="bg1"/>
+              </a:solidFill>
+              <a:latin typeface="Consolas (Headings)"/>
+            </a:endParaRPr>
+          </a:p>
+        </p:txBody>
+      </p:sp>
       <p:graphicFrame>
         <p:nvGraphicFramePr>
-          <p:cNvPr id="7" name="Content Placeholder 6">
+          <p:cNvPr id="9" name="Content Placeholder 8">
             <a:extLst>
               <a:ext uri="{FF2B5EF4-FFF2-40B4-BE49-F238E27FC236}">
                 <a16:creationId xmlns:a16="http://schemas.microsoft.com/office/drawing/2014/main" id="{BBE7A64A-D636-4092-A1D9-51738E950101}"/>
@@ -13549,9 +13718,163 @@
           </a:p>
         </p:txBody>
       </p:sp>
+      <p:sp>
+        <p:nvSpPr>
+          <p:cNvPr id="7" name="TextBox 6">
+            <a:extLst>
+              <a:ext uri="{FF2B5EF4-FFF2-40B4-BE49-F238E27FC236}">
+                <a16:creationId xmlns:a16="http://schemas.microsoft.com/office/drawing/2014/main" id="{223D16A4-C104-4B3E-99F1-07A3E4A7317B}"/>
+              </a:ext>
+            </a:extLst>
+          </p:cNvPr>
+          <p:cNvSpPr txBox="1"/>
+          <p:nvPr/>
+        </p:nvSpPr>
+        <p:spPr>
+          <a:xfrm>
+            <a:off x="533400" y="6488668"/>
+            <a:ext cx="4953000" cy="369332"/>
+          </a:xfrm>
+          <a:prstGeom prst="rect">
+            <a:avLst/>
+          </a:prstGeom>
+          <a:noFill/>
+        </p:spPr>
+        <p:txBody>
+          <a:bodyPr wrap="square" rtlCol="0">
+            <a:spAutoFit/>
+          </a:bodyPr>
+          <a:lstStyle/>
+          <a:p>
+            <a:r>
+              <a:rPr lang="en-US" b="1" dirty="0">
+                <a:solidFill>
+                  <a:schemeClr val="bg1"/>
+                </a:solidFill>
+                <a:latin typeface="Consolas (Headings)"/>
+              </a:rPr>
+              <a:t>Part I: Report on the last episode</a:t>
+            </a:r>
+            <a:endParaRPr lang="en-AU" b="1" dirty="0">
+              <a:solidFill>
+                <a:schemeClr val="bg1"/>
+              </a:solidFill>
+              <a:latin typeface="Consolas (Headings)"/>
+            </a:endParaRPr>
+          </a:p>
+        </p:txBody>
+      </p:sp>
+      <p:sp>
+        <p:nvSpPr>
+          <p:cNvPr id="10" name="Rectangle 9">
+            <a:extLst>
+              <a:ext uri="{FF2B5EF4-FFF2-40B4-BE49-F238E27FC236}">
+                <a16:creationId xmlns:a16="http://schemas.microsoft.com/office/drawing/2014/main" id="{31BC7A9A-C819-4148-8576-C0CF81C04EBE}"/>
+              </a:ext>
+            </a:extLst>
+          </p:cNvPr>
+          <p:cNvSpPr/>
+          <p:nvPr/>
+        </p:nvSpPr>
+        <p:spPr>
+          <a:xfrm>
+            <a:off x="7086600" y="6477000"/>
+            <a:ext cx="5105400" cy="304800"/>
+          </a:xfrm>
+          <a:prstGeom prst="rect">
+            <a:avLst/>
+          </a:prstGeom>
+          <a:solidFill>
+            <a:schemeClr val="bg1"/>
+          </a:solidFill>
+          <a:ln w="38100">
+            <a:solidFill>
+              <a:schemeClr val="accent4">
+                <a:lumMod val="75000"/>
+              </a:schemeClr>
+            </a:solidFill>
+          </a:ln>
+        </p:spPr>
+        <p:style>
+          <a:lnRef idx="2">
+            <a:schemeClr val="accent1">
+              <a:shade val="50000"/>
+            </a:schemeClr>
+          </a:lnRef>
+          <a:fillRef idx="1">
+            <a:schemeClr val="accent1"/>
+          </a:fillRef>
+          <a:effectRef idx="0">
+            <a:schemeClr val="accent1"/>
+          </a:effectRef>
+          <a:fontRef idx="minor">
+            <a:schemeClr val="lt1"/>
+          </a:fontRef>
+        </p:style>
+        <p:txBody>
+          <a:bodyPr rtlCol="0" anchor="ctr"/>
+          <a:lstStyle/>
+          <a:p>
+            <a:pPr algn="ctr"/>
+            <a:endParaRPr lang="en-AU"/>
+          </a:p>
+        </p:txBody>
+      </p:sp>
+      <p:sp>
+        <p:nvSpPr>
+          <p:cNvPr id="11" name="Rectangle 10">
+            <a:extLst>
+              <a:ext uri="{FF2B5EF4-FFF2-40B4-BE49-F238E27FC236}">
+                <a16:creationId xmlns:a16="http://schemas.microsoft.com/office/drawing/2014/main" id="{49FA02C0-A2E9-4064-81E3-327595F2EFED}"/>
+              </a:ext>
+            </a:extLst>
+          </p:cNvPr>
+          <p:cNvSpPr/>
+          <p:nvPr/>
+        </p:nvSpPr>
+        <p:spPr>
+          <a:xfrm>
+            <a:off x="7086600" y="6477000"/>
+            <a:ext cx="2667000" cy="304800"/>
+          </a:xfrm>
+          <a:prstGeom prst="rect">
+            <a:avLst/>
+          </a:prstGeom>
+          <a:solidFill>
+            <a:schemeClr val="accent2"/>
+          </a:solidFill>
+          <a:ln w="38100">
+            <a:noFill/>
+          </a:ln>
+        </p:spPr>
+        <p:style>
+          <a:lnRef idx="2">
+            <a:schemeClr val="accent1">
+              <a:shade val="50000"/>
+            </a:schemeClr>
+          </a:lnRef>
+          <a:fillRef idx="1">
+            <a:schemeClr val="accent1"/>
+          </a:fillRef>
+          <a:effectRef idx="0">
+            <a:schemeClr val="accent1"/>
+          </a:effectRef>
+          <a:fontRef idx="minor">
+            <a:schemeClr val="lt1"/>
+          </a:fontRef>
+        </p:style>
+        <p:txBody>
+          <a:bodyPr rtlCol="0" anchor="ctr"/>
+          <a:lstStyle/>
+          <a:p>
+            <a:pPr algn="ctr"/>
+            <a:endParaRPr lang="en-AU" dirty="0"/>
+          </a:p>
+        </p:txBody>
+      </p:sp>
       <p:graphicFrame>
         <p:nvGraphicFramePr>
-          <p:cNvPr id="4" name="Content Placeholder 3">
+          <p:cNvPr id="13" name="Content Placeholder 12">
             <a:extLst>
               <a:ext uri="{FF2B5EF4-FFF2-40B4-BE49-F238E27FC236}">
                 <a16:creationId xmlns:a16="http://schemas.microsoft.com/office/drawing/2014/main" id="{4D382D66-024A-4373-BCC5-C8DAF2C771CA}"/>
@@ -13563,11 +13886,6 @@
           </p:cNvGraphicFramePr>
           <p:nvPr>
             <p:ph idx="1"/>
-            <p:extLst>
-              <p:ext uri="{D42A27DB-BD31-4B8C-83A1-F6EECF244321}">
-                <p14:modId xmlns:p14="http://schemas.microsoft.com/office/powerpoint/2010/main" val="4069765804"/>
-              </p:ext>
-            </p:extLst>
           </p:nvPr>
         </p:nvGraphicFramePr>
         <p:xfrm>
@@ -13639,9 +13957,163 @@
           </a:p>
         </p:txBody>
       </p:sp>
+      <p:sp>
+        <p:nvSpPr>
+          <p:cNvPr id="7" name="TextBox 6">
+            <a:extLst>
+              <a:ext uri="{FF2B5EF4-FFF2-40B4-BE49-F238E27FC236}">
+                <a16:creationId xmlns:a16="http://schemas.microsoft.com/office/drawing/2014/main" id="{E9BDD1AE-8429-4547-A1E8-78A52A6354BE}"/>
+              </a:ext>
+            </a:extLst>
+          </p:cNvPr>
+          <p:cNvSpPr txBox="1"/>
+          <p:nvPr/>
+        </p:nvSpPr>
+        <p:spPr>
+          <a:xfrm>
+            <a:off x="533400" y="6488668"/>
+            <a:ext cx="4953000" cy="369332"/>
+          </a:xfrm>
+          <a:prstGeom prst="rect">
+            <a:avLst/>
+          </a:prstGeom>
+          <a:noFill/>
+        </p:spPr>
+        <p:txBody>
+          <a:bodyPr wrap="square" rtlCol="0">
+            <a:spAutoFit/>
+          </a:bodyPr>
+          <a:lstStyle/>
+          <a:p>
+            <a:r>
+              <a:rPr lang="en-US" b="1" dirty="0">
+                <a:solidFill>
+                  <a:schemeClr val="bg1"/>
+                </a:solidFill>
+                <a:latin typeface="Consolas (Headings)"/>
+              </a:rPr>
+              <a:t>Part I: Report on the last episode</a:t>
+            </a:r>
+            <a:endParaRPr lang="en-AU" b="1" dirty="0">
+              <a:solidFill>
+                <a:schemeClr val="bg1"/>
+              </a:solidFill>
+              <a:latin typeface="Consolas (Headings)"/>
+            </a:endParaRPr>
+          </a:p>
+        </p:txBody>
+      </p:sp>
+      <p:sp>
+        <p:nvSpPr>
+          <p:cNvPr id="8" name="Rectangle 7">
+            <a:extLst>
+              <a:ext uri="{FF2B5EF4-FFF2-40B4-BE49-F238E27FC236}">
+                <a16:creationId xmlns:a16="http://schemas.microsoft.com/office/drawing/2014/main" id="{CBE0FE40-5D59-48C9-BBDC-6FF524B506F9}"/>
+              </a:ext>
+            </a:extLst>
+          </p:cNvPr>
+          <p:cNvSpPr/>
+          <p:nvPr/>
+        </p:nvSpPr>
+        <p:spPr>
+          <a:xfrm>
+            <a:off x="7086600" y="6477000"/>
+            <a:ext cx="5105400" cy="304800"/>
+          </a:xfrm>
+          <a:prstGeom prst="rect">
+            <a:avLst/>
+          </a:prstGeom>
+          <a:solidFill>
+            <a:schemeClr val="bg1"/>
+          </a:solidFill>
+          <a:ln w="38100">
+            <a:solidFill>
+              <a:schemeClr val="accent4">
+                <a:lumMod val="75000"/>
+              </a:schemeClr>
+            </a:solidFill>
+          </a:ln>
+        </p:spPr>
+        <p:style>
+          <a:lnRef idx="2">
+            <a:schemeClr val="accent1">
+              <a:shade val="50000"/>
+            </a:schemeClr>
+          </a:lnRef>
+          <a:fillRef idx="1">
+            <a:schemeClr val="accent1"/>
+          </a:fillRef>
+          <a:effectRef idx="0">
+            <a:schemeClr val="accent1"/>
+          </a:effectRef>
+          <a:fontRef idx="minor">
+            <a:schemeClr val="lt1"/>
+          </a:fontRef>
+        </p:style>
+        <p:txBody>
+          <a:bodyPr rtlCol="0" anchor="ctr"/>
+          <a:lstStyle/>
+          <a:p>
+            <a:pPr algn="ctr"/>
+            <a:endParaRPr lang="en-AU"/>
+          </a:p>
+        </p:txBody>
+      </p:sp>
+      <p:sp>
+        <p:nvSpPr>
+          <p:cNvPr id="9" name="Rectangle 8">
+            <a:extLst>
+              <a:ext uri="{FF2B5EF4-FFF2-40B4-BE49-F238E27FC236}">
+                <a16:creationId xmlns:a16="http://schemas.microsoft.com/office/drawing/2014/main" id="{0FDE41D8-54DA-428D-B9FF-85F1BB4E1C89}"/>
+              </a:ext>
+            </a:extLst>
+          </p:cNvPr>
+          <p:cNvSpPr/>
+          <p:nvPr/>
+        </p:nvSpPr>
+        <p:spPr>
+          <a:xfrm>
+            <a:off x="7086600" y="6477000"/>
+            <a:ext cx="2667000" cy="304800"/>
+          </a:xfrm>
+          <a:prstGeom prst="rect">
+            <a:avLst/>
+          </a:prstGeom>
+          <a:solidFill>
+            <a:schemeClr val="accent2"/>
+          </a:solidFill>
+          <a:ln w="38100">
+            <a:noFill/>
+          </a:ln>
+        </p:spPr>
+        <p:style>
+          <a:lnRef idx="2">
+            <a:schemeClr val="accent1">
+              <a:shade val="50000"/>
+            </a:schemeClr>
+          </a:lnRef>
+          <a:fillRef idx="1">
+            <a:schemeClr val="accent1"/>
+          </a:fillRef>
+          <a:effectRef idx="0">
+            <a:schemeClr val="accent1"/>
+          </a:effectRef>
+          <a:fontRef idx="minor">
+            <a:schemeClr val="lt1"/>
+          </a:fontRef>
+        </p:style>
+        <p:txBody>
+          <a:bodyPr rtlCol="0" anchor="ctr"/>
+          <a:lstStyle/>
+          <a:p>
+            <a:pPr algn="ctr"/>
+            <a:endParaRPr lang="en-AU" dirty="0"/>
+          </a:p>
+        </p:txBody>
+      </p:sp>
       <p:graphicFrame>
         <p:nvGraphicFramePr>
-          <p:cNvPr id="6" name="Content Placeholder 5">
+          <p:cNvPr id="11" name="Content Placeholder 10">
             <a:extLst>
               <a:ext uri="{FF2B5EF4-FFF2-40B4-BE49-F238E27FC236}">
                 <a16:creationId xmlns:a16="http://schemas.microsoft.com/office/drawing/2014/main" id="{2D639848-0BAF-4883-B3C1-3DC690B98E4F}"/>

--- a/episode3/media/slides-episode-03.pptx
+++ b/episode3/media/slides-episode-03.pptx
@@ -365,10 +365,10 @@
                 <c:formatCode>General</c:formatCode>
                 <c:ptCount val="2"/>
                 <c:pt idx="0">
-                  <c:v>24</c:v>
+                  <c:v>33</c:v>
                 </c:pt>
                 <c:pt idx="1">
-                  <c:v>9</c:v>
+                  <c:v>10</c:v>
                 </c:pt>
               </c:numCache>
             </c:numRef>
@@ -13230,7 +13230,7 @@
             <p:ph sz="half" idx="2"/>
             <p:extLst>
               <p:ext uri="{D42A27DB-BD31-4B8C-83A1-F6EECF244321}">
-                <p14:modId xmlns:p14="http://schemas.microsoft.com/office/powerpoint/2010/main" val="1476776524"/>
+                <p14:modId xmlns:p14="http://schemas.microsoft.com/office/powerpoint/2010/main" val="3923480284"/>
               </p:ext>
             </p:extLst>
           </p:nvPr>
